--- a/ra68_2012_i_ra33_2012_prezentacija.pptx
+++ b/ra68_2012_i_ra33_2012_prezentacija.pptx
@@ -117,6 +117,11 @@
       </a:defRPr>
     </a:lvl9pPr>
   </p:defaultTextStyle>
+  <p:extLst>
+    <p:ext uri="{EFAFB233-063F-42B5-8137-9DF3F51BA10A}">
+      <p15:sldGuideLst xmlns:p15="http://schemas.microsoft.com/office/powerpoint/2012/main"/>
+    </p:ext>
+  </p:extLst>
 </p:presentation>
 </file>
 
@@ -251,7 +256,7 @@
           <a:p>
             <a:fld id="{60EFF2F8-2722-4D5A-8576-34119254C326}" type="datetimeFigureOut">
               <a:rPr lang="sr-Latn-RS" smtClean="0"/>
-              <a:t>12.12.2015.</a:t>
+              <a:t>25.12.2015.</a:t>
             </a:fld>
             <a:endParaRPr lang="sr-Latn-RS"/>
           </a:p>
@@ -421,7 +426,7 @@
           <a:p>
             <a:fld id="{60EFF2F8-2722-4D5A-8576-34119254C326}" type="datetimeFigureOut">
               <a:rPr lang="sr-Latn-RS" smtClean="0"/>
-              <a:t>12.12.2015.</a:t>
+              <a:t>25.12.2015.</a:t>
             </a:fld>
             <a:endParaRPr lang="sr-Latn-RS"/>
           </a:p>
@@ -601,7 +606,7 @@
           <a:p>
             <a:fld id="{60EFF2F8-2722-4D5A-8576-34119254C326}" type="datetimeFigureOut">
               <a:rPr lang="sr-Latn-RS" smtClean="0"/>
-              <a:t>12.12.2015.</a:t>
+              <a:t>25.12.2015.</a:t>
             </a:fld>
             <a:endParaRPr lang="sr-Latn-RS"/>
           </a:p>
@@ -771,7 +776,7 @@
           <a:p>
             <a:fld id="{60EFF2F8-2722-4D5A-8576-34119254C326}" type="datetimeFigureOut">
               <a:rPr lang="sr-Latn-RS" smtClean="0"/>
-              <a:t>12.12.2015.</a:t>
+              <a:t>25.12.2015.</a:t>
             </a:fld>
             <a:endParaRPr lang="sr-Latn-RS"/>
           </a:p>
@@ -1017,7 +1022,7 @@
           <a:p>
             <a:fld id="{60EFF2F8-2722-4D5A-8576-34119254C326}" type="datetimeFigureOut">
               <a:rPr lang="sr-Latn-RS" smtClean="0"/>
-              <a:t>12.12.2015.</a:t>
+              <a:t>25.12.2015.</a:t>
             </a:fld>
             <a:endParaRPr lang="sr-Latn-RS"/>
           </a:p>
@@ -1249,7 +1254,7 @@
           <a:p>
             <a:fld id="{60EFF2F8-2722-4D5A-8576-34119254C326}" type="datetimeFigureOut">
               <a:rPr lang="sr-Latn-RS" smtClean="0"/>
-              <a:t>12.12.2015.</a:t>
+              <a:t>25.12.2015.</a:t>
             </a:fld>
             <a:endParaRPr lang="sr-Latn-RS"/>
           </a:p>
@@ -1616,7 +1621,7 @@
           <a:p>
             <a:fld id="{60EFF2F8-2722-4D5A-8576-34119254C326}" type="datetimeFigureOut">
               <a:rPr lang="sr-Latn-RS" smtClean="0"/>
-              <a:t>12.12.2015.</a:t>
+              <a:t>25.12.2015.</a:t>
             </a:fld>
             <a:endParaRPr lang="sr-Latn-RS"/>
           </a:p>
@@ -1734,7 +1739,7 @@
           <a:p>
             <a:fld id="{60EFF2F8-2722-4D5A-8576-34119254C326}" type="datetimeFigureOut">
               <a:rPr lang="sr-Latn-RS" smtClean="0"/>
-              <a:t>12.12.2015.</a:t>
+              <a:t>25.12.2015.</a:t>
             </a:fld>
             <a:endParaRPr lang="sr-Latn-RS"/>
           </a:p>
@@ -1829,7 +1834,7 @@
           <a:p>
             <a:fld id="{60EFF2F8-2722-4D5A-8576-34119254C326}" type="datetimeFigureOut">
               <a:rPr lang="sr-Latn-RS" smtClean="0"/>
-              <a:t>12.12.2015.</a:t>
+              <a:t>25.12.2015.</a:t>
             </a:fld>
             <a:endParaRPr lang="sr-Latn-RS"/>
           </a:p>
@@ -2106,7 +2111,7 @@
           <a:p>
             <a:fld id="{60EFF2F8-2722-4D5A-8576-34119254C326}" type="datetimeFigureOut">
               <a:rPr lang="sr-Latn-RS" smtClean="0"/>
-              <a:t>12.12.2015.</a:t>
+              <a:t>25.12.2015.</a:t>
             </a:fld>
             <a:endParaRPr lang="sr-Latn-RS"/>
           </a:p>
@@ -2359,7 +2364,7 @@
           <a:p>
             <a:fld id="{60EFF2F8-2722-4D5A-8576-34119254C326}" type="datetimeFigureOut">
               <a:rPr lang="sr-Latn-RS" smtClean="0"/>
-              <a:t>12.12.2015.</a:t>
+              <a:t>25.12.2015.</a:t>
             </a:fld>
             <a:endParaRPr lang="sr-Latn-RS"/>
           </a:p>
@@ -2572,7 +2577,7 @@
           <a:p>
             <a:fld id="{60EFF2F8-2722-4D5A-8576-34119254C326}" type="datetimeFigureOut">
               <a:rPr lang="sr-Latn-RS" smtClean="0"/>
-              <a:t>12.12.2015.</a:t>
+              <a:t>25.12.2015.</a:t>
             </a:fld>
             <a:endParaRPr lang="sr-Latn-RS"/>
           </a:p>
@@ -3054,21 +3059,13 @@
             </a:r>
             <a:r>
               <a:rPr lang="sr-Latn-RS" sz="2000" b="1" dirty="0" smtClean="0"/>
-              <a:t>					</a:t>
-            </a:r>
+              <a:t>					Članovi tima:</a:t>
+            </a:r>
+          </a:p>
+          <a:p>
             <a:r>
               <a:rPr lang="sr-Latn-RS" sz="2000" b="1" dirty="0" smtClean="0"/>
-              <a:t>Članovi tima:</a:t>
-            </a:r>
-          </a:p>
-          <a:p>
-            <a:r>
-              <a:rPr lang="sr-Latn-RS" sz="2000" b="1" dirty="0" smtClean="0"/>
-              <a:t>Miroslav Kondić</a:t>
-            </a:r>
-            <a:r>
-              <a:rPr lang="sr-Latn-RS" sz="2000" b="1" dirty="0" smtClean="0"/>
-              <a:t>      </a:t>
+              <a:t>Miroslav Kondić      </a:t>
             </a:r>
             <a:r>
               <a:rPr lang="sr-Latn-RS" sz="2000" b="1" dirty="0"/>
@@ -3076,11 +3073,7 @@
             </a:r>
             <a:r>
               <a:rPr lang="sr-Latn-RS" sz="2000" b="1" dirty="0" smtClean="0"/>
-              <a:t>       </a:t>
-            </a:r>
-            <a:r>
-              <a:rPr lang="sr-Latn-RS" sz="2000" b="1" dirty="0" smtClean="0"/>
-              <a:t>Milan Mutić RA68/2012</a:t>
+              <a:t>       Milan Mutić RA68/2012</a:t>
             </a:r>
           </a:p>
           <a:p>
@@ -3101,15 +3094,7 @@
             </a:r>
             <a:r>
               <a:rPr lang="sr-Latn-RS" sz="2000" b="1" dirty="0" smtClean="0"/>
-              <a:t>	</a:t>
-            </a:r>
-            <a:r>
-              <a:rPr lang="sr-Latn-RS" sz="2000" b="1" dirty="0" smtClean="0"/>
-              <a:t> </a:t>
-            </a:r>
-            <a:r>
-              <a:rPr lang="sr-Latn-RS" sz="2000" b="1" dirty="0" smtClean="0"/>
-              <a:t>						</a:t>
+              <a:t>	 						</a:t>
             </a:r>
             <a:r>
               <a:rPr lang="sr-Latn-RS" sz="2000" b="1" dirty="0"/>
@@ -3598,7 +3583,35 @@
           <a:p>
             <a:r>
               <a:rPr lang="sr-Latn-RS" dirty="0" smtClean="0"/>
-              <a:t>Koristili bismo 3 neuronske mreže,gde bi se jedna NM određivala verovatnoću pobede domaćina,druga nerešen ishod i treća pobedu gosta za prosleđeni meč rejting</a:t>
+              <a:t>Koristili bismo </a:t>
+            </a:r>
+            <a:r>
+              <a:rPr lang="en-US" dirty="0" err="1" smtClean="0"/>
+              <a:t>neuronsku</a:t>
+            </a:r>
+            <a:r>
+              <a:rPr lang="en-US" dirty="0" smtClean="0"/>
+              <a:t> </a:t>
+            </a:r>
+            <a:r>
+              <a:rPr lang="en-US" dirty="0" err="1" smtClean="0"/>
+              <a:t>mre</a:t>
+            </a:r>
+            <a:r>
+              <a:rPr lang="sr-Latn-RS" dirty="0" smtClean="0"/>
+              <a:t>žu koja bi određivala </a:t>
+            </a:r>
+            <a:r>
+              <a:rPr lang="sr-Latn-RS" smtClean="0"/>
+              <a:t>ishod utakmice(pobeda domaćina,gosta ili nerešeno) </a:t>
+            </a:r>
+            <a:r>
+              <a:rPr lang="sr-Latn-RS" dirty="0" smtClean="0"/>
+              <a:t>za </a:t>
+            </a:r>
+            <a:r>
+              <a:rPr lang="sr-Latn-RS" dirty="0" smtClean="0"/>
+              <a:t>prosleđeni meč rejting</a:t>
             </a:r>
           </a:p>
           <a:p>
@@ -3916,7 +3929,6 @@
               <a:rPr lang="sr-Latn-RS" dirty="0" smtClean="0"/>
               <a:t>Pored gol razlike na poslednjih 5 utakmica u obzir može uzimati i plasman na tabeli, sastav tima, istoriju međusobnih duela itd.</a:t>
             </a:r>
-            <a:endParaRPr lang="sr-Latn-RS" dirty="0" smtClean="0"/>
           </a:p>
           <a:p>
             <a:endParaRPr lang="sr-Latn-RS" dirty="0"/>
@@ -4012,7 +4024,6 @@
               <a:rPr lang="sr-Latn-RS" altLang="sr-Latn-RS" dirty="0" smtClean="0"/>
               <a:t>“fer” znači da nemaju cilj da zarade od tuđeg klađenja (kao kladionice).</a:t>
             </a:r>
-            <a:endParaRPr lang="sr-Latn-RS" altLang="sr-Latn-RS" dirty="0" smtClean="0"/>
           </a:p>
         </p:txBody>
       </p:sp>
